--- a/figures.pptx
+++ b/figures.pptx
@@ -6,6 +6,7 @@
   </p:sldMasterIdLst>
   <p:sldIdLst>
     <p:sldId id="256" r:id="rId2"/>
+    <p:sldId id="257" r:id="rId3"/>
   </p:sldIdLst>
   <p:sldSz cx="12192000" cy="6858000"/>
   <p:notesSz cx="6858000" cy="9144000"/>
@@ -107,7 +108,7 @@
   <p:extLst>
     <p:ext uri="{EFAFB233-063F-42B5-8137-9DF3F51BA10A}">
       <p15:sldGuideLst xmlns:p15="http://schemas.microsoft.com/office/powerpoint/2012/main">
-        <p15:guide id="1" orient="horz" pos="2160" userDrawn="1">
+        <p15:guide id="1" orient="horz" pos="2169" userDrawn="1">
           <p15:clr>
             <a:srgbClr val="A4A3A4"/>
           </p15:clr>
@@ -272,7 +273,7 @@
           <a:p>
             <a:fld id="{05BA05C8-2926-0B45-9B4E-421C3A5B1BD1}" type="datetimeFigureOut">
               <a:rPr lang="en-DK" smtClean="0"/>
-              <a:t>02/12/2020</a:t>
+              <a:t>03/12/2020</a:t>
             </a:fld>
             <a:endParaRPr lang="en-DK"/>
           </a:p>
@@ -472,7 +473,7 @@
           <a:p>
             <a:fld id="{05BA05C8-2926-0B45-9B4E-421C3A5B1BD1}" type="datetimeFigureOut">
               <a:rPr lang="en-DK" smtClean="0"/>
-              <a:t>02/12/2020</a:t>
+              <a:t>03/12/2020</a:t>
             </a:fld>
             <a:endParaRPr lang="en-DK"/>
           </a:p>
@@ -682,7 +683,7 @@
           <a:p>
             <a:fld id="{05BA05C8-2926-0B45-9B4E-421C3A5B1BD1}" type="datetimeFigureOut">
               <a:rPr lang="en-DK" smtClean="0"/>
-              <a:t>02/12/2020</a:t>
+              <a:t>03/12/2020</a:t>
             </a:fld>
             <a:endParaRPr lang="en-DK"/>
           </a:p>
@@ -882,7 +883,7 @@
           <a:p>
             <a:fld id="{05BA05C8-2926-0B45-9B4E-421C3A5B1BD1}" type="datetimeFigureOut">
               <a:rPr lang="en-DK" smtClean="0"/>
-              <a:t>02/12/2020</a:t>
+              <a:t>03/12/2020</a:t>
             </a:fld>
             <a:endParaRPr lang="en-DK"/>
           </a:p>
@@ -1158,7 +1159,7 @@
           <a:p>
             <a:fld id="{05BA05C8-2926-0B45-9B4E-421C3A5B1BD1}" type="datetimeFigureOut">
               <a:rPr lang="en-DK" smtClean="0"/>
-              <a:t>02/12/2020</a:t>
+              <a:t>03/12/2020</a:t>
             </a:fld>
             <a:endParaRPr lang="en-DK"/>
           </a:p>
@@ -1426,7 +1427,7 @@
           <a:p>
             <a:fld id="{05BA05C8-2926-0B45-9B4E-421C3A5B1BD1}" type="datetimeFigureOut">
               <a:rPr lang="en-DK" smtClean="0"/>
-              <a:t>02/12/2020</a:t>
+              <a:t>03/12/2020</a:t>
             </a:fld>
             <a:endParaRPr lang="en-DK"/>
           </a:p>
@@ -1841,7 +1842,7 @@
           <a:p>
             <a:fld id="{05BA05C8-2926-0B45-9B4E-421C3A5B1BD1}" type="datetimeFigureOut">
               <a:rPr lang="en-DK" smtClean="0"/>
-              <a:t>02/12/2020</a:t>
+              <a:t>03/12/2020</a:t>
             </a:fld>
             <a:endParaRPr lang="en-DK"/>
           </a:p>
@@ -1983,7 +1984,7 @@
           <a:p>
             <a:fld id="{05BA05C8-2926-0B45-9B4E-421C3A5B1BD1}" type="datetimeFigureOut">
               <a:rPr lang="en-DK" smtClean="0"/>
-              <a:t>02/12/2020</a:t>
+              <a:t>03/12/2020</a:t>
             </a:fld>
             <a:endParaRPr lang="en-DK"/>
           </a:p>
@@ -2096,7 +2097,7 @@
           <a:p>
             <a:fld id="{05BA05C8-2926-0B45-9B4E-421C3A5B1BD1}" type="datetimeFigureOut">
               <a:rPr lang="en-DK" smtClean="0"/>
-              <a:t>02/12/2020</a:t>
+              <a:t>03/12/2020</a:t>
             </a:fld>
             <a:endParaRPr lang="en-DK"/>
           </a:p>
@@ -2409,7 +2410,7 @@
           <a:p>
             <a:fld id="{05BA05C8-2926-0B45-9B4E-421C3A5B1BD1}" type="datetimeFigureOut">
               <a:rPr lang="en-DK" smtClean="0"/>
-              <a:t>02/12/2020</a:t>
+              <a:t>03/12/2020</a:t>
             </a:fld>
             <a:endParaRPr lang="en-DK"/>
           </a:p>
@@ -2698,7 +2699,7 @@
           <a:p>
             <a:fld id="{05BA05C8-2926-0B45-9B4E-421C3A5B1BD1}" type="datetimeFigureOut">
               <a:rPr lang="en-DK" smtClean="0"/>
-              <a:t>02/12/2020</a:t>
+              <a:t>03/12/2020</a:t>
             </a:fld>
             <a:endParaRPr lang="en-DK"/>
           </a:p>
@@ -2941,7 +2942,7 @@
           <a:p>
             <a:fld id="{05BA05C8-2926-0B45-9B4E-421C3A5B1BD1}" type="datetimeFigureOut">
               <a:rPr lang="en-DK" smtClean="0"/>
-              <a:t>02/12/2020</a:t>
+              <a:t>03/12/2020</a:t>
             </a:fld>
             <a:endParaRPr lang="en-DK"/>
           </a:p>
@@ -3823,6 +3824,195 @@
 </p:sld>
 </file>
 
+<file path=ppt/slides/slide2.xml><?xml version="1.0" encoding="utf-8"?>
+<p:sld xmlns:a="http://schemas.openxmlformats.org/drawingml/2006/main" xmlns:r="http://schemas.openxmlformats.org/officeDocument/2006/relationships" xmlns:p="http://schemas.openxmlformats.org/presentationml/2006/main">
+  <p:cSld>
+    <p:spTree>
+      <p:nvGrpSpPr>
+        <p:cNvPr id="1" name=""/>
+        <p:cNvGrpSpPr/>
+        <p:nvPr/>
+      </p:nvGrpSpPr>
+      <p:grpSpPr>
+        <a:xfrm>
+          <a:off x="0" y="0"/>
+          <a:ext cx="0" cy="0"/>
+          <a:chOff x="0" y="0"/>
+          <a:chExt cx="0" cy="0"/>
+        </a:xfrm>
+      </p:grpSpPr>
+      <p:pic>
+        <p:nvPicPr>
+          <p:cNvPr id="1026" name="Picture 2" descr="Obama Awards Obama a Medal | Know Your Meme">
+            <a:extLst>
+              <a:ext uri="{FF2B5EF4-FFF2-40B4-BE49-F238E27FC236}">
+                <a16:creationId xmlns:a16="http://schemas.microsoft.com/office/drawing/2014/main" id="{CD6CCCA6-0070-E649-BF9C-351BA2D10610}"/>
+              </a:ext>
+            </a:extLst>
+          </p:cNvPr>
+          <p:cNvPicPr>
+            <a:picLocks noChangeAspect="1" noChangeArrowheads="1"/>
+          </p:cNvPicPr>
+          <p:nvPr/>
+        </p:nvPicPr>
+        <p:blipFill>
+          <a:blip r:embed="rId2">
+            <a:extLst>
+              <a:ext uri="{28A0092B-C50C-407E-A947-70E740481C1C}">
+                <a14:useLocalDpi xmlns:a14="http://schemas.microsoft.com/office/drawing/2010/main" val="0"/>
+              </a:ext>
+            </a:extLst>
+          </a:blip>
+          <a:srcRect/>
+          <a:stretch>
+            <a:fillRect/>
+          </a:stretch>
+        </p:blipFill>
+        <p:spPr bwMode="auto">
+          <a:xfrm>
+            <a:off x="2692400" y="1514475"/>
+            <a:ext cx="6807200" cy="3829050"/>
+          </a:xfrm>
+          <a:prstGeom prst="rect">
+            <a:avLst/>
+          </a:prstGeom>
+          <a:noFill/>
+          <a:extLst>
+            <a:ext uri="{909E8E84-426E-40DD-AFC4-6F175D3DCCD1}">
+              <a14:hiddenFill xmlns:a14="http://schemas.microsoft.com/office/drawing/2010/main">
+                <a:solidFill>
+                  <a:srgbClr val="FFFFFF"/>
+                </a:solidFill>
+              </a14:hiddenFill>
+            </a:ext>
+          </a:extLst>
+        </p:spPr>
+      </p:pic>
+      <p:sp>
+        <p:nvSpPr>
+          <p:cNvPr id="12" name="TextBox 11">
+            <a:extLst>
+              <a:ext uri="{FF2B5EF4-FFF2-40B4-BE49-F238E27FC236}">
+                <a16:creationId xmlns:a16="http://schemas.microsoft.com/office/drawing/2014/main" id="{34AC0F32-A8AE-2941-8AF0-92EA281ECFFA}"/>
+              </a:ext>
+            </a:extLst>
+          </p:cNvPr>
+          <p:cNvSpPr txBox="1"/>
+          <p:nvPr/>
+        </p:nvSpPr>
+        <p:spPr>
+          <a:xfrm>
+            <a:off x="4229100" y="3900488"/>
+            <a:ext cx="2039341" cy="584775"/>
+          </a:xfrm>
+          <a:prstGeom prst="rect">
+            <a:avLst/>
+          </a:prstGeom>
+          <a:noFill/>
+        </p:spPr>
+        <p:txBody>
+          <a:bodyPr wrap="none" rtlCol="0">
+            <a:spAutoFit/>
+          </a:bodyPr>
+          <a:lstStyle/>
+          <a:p>
+            <a:r>
+              <a:rPr lang="en-GB" sz="3200" dirty="0">
+                <a:ln>
+                  <a:solidFill>
+                    <a:schemeClr val="tx1"/>
+                  </a:solidFill>
+                </a:ln>
+                <a:solidFill>
+                  <a:schemeClr val="bg1"/>
+                </a:solidFill>
+                <a:latin typeface="Impact" panose="020B0806030902050204" pitchFamily="34" charset="0"/>
+              </a:rPr>
+              <a:t>Jim Cooper</a:t>
+            </a:r>
+            <a:endParaRPr lang="en-DK" sz="3200" dirty="0">
+              <a:ln>
+                <a:solidFill>
+                  <a:schemeClr val="tx1"/>
+                </a:solidFill>
+              </a:ln>
+              <a:solidFill>
+                <a:schemeClr val="bg1"/>
+              </a:solidFill>
+              <a:latin typeface="Impact" panose="020B0806030902050204" pitchFamily="34" charset="0"/>
+            </a:endParaRPr>
+          </a:p>
+        </p:txBody>
+      </p:sp>
+      <p:sp>
+        <p:nvSpPr>
+          <p:cNvPr id="14" name="TextBox 13">
+            <a:extLst>
+              <a:ext uri="{FF2B5EF4-FFF2-40B4-BE49-F238E27FC236}">
+                <a16:creationId xmlns:a16="http://schemas.microsoft.com/office/drawing/2014/main" id="{DBD24D5E-D5D8-2348-BDB4-E02B84B9DB1C}"/>
+              </a:ext>
+            </a:extLst>
+          </p:cNvPr>
+          <p:cNvSpPr txBox="1"/>
+          <p:nvPr/>
+        </p:nvSpPr>
+        <p:spPr>
+          <a:xfrm>
+            <a:off x="6268441" y="1513463"/>
+            <a:ext cx="2039341" cy="584775"/>
+          </a:xfrm>
+          <a:prstGeom prst="rect">
+            <a:avLst/>
+          </a:prstGeom>
+          <a:noFill/>
+        </p:spPr>
+        <p:txBody>
+          <a:bodyPr wrap="none" rtlCol="0">
+            <a:spAutoFit/>
+          </a:bodyPr>
+          <a:lstStyle/>
+          <a:p>
+            <a:r>
+              <a:rPr lang="en-GB" sz="3200" dirty="0">
+                <a:ln>
+                  <a:solidFill>
+                    <a:schemeClr val="tx1"/>
+                  </a:solidFill>
+                </a:ln>
+                <a:solidFill>
+                  <a:schemeClr val="bg1"/>
+                </a:solidFill>
+                <a:latin typeface="Impact" panose="020B0806030902050204" pitchFamily="34" charset="0"/>
+              </a:rPr>
+              <a:t>Jim Cooper</a:t>
+            </a:r>
+            <a:endParaRPr lang="en-DK" sz="3200" dirty="0">
+              <a:ln>
+                <a:solidFill>
+                  <a:schemeClr val="tx1"/>
+                </a:solidFill>
+              </a:ln>
+              <a:solidFill>
+                <a:schemeClr val="bg1"/>
+              </a:solidFill>
+              <a:latin typeface="Impact" panose="020B0806030902050204" pitchFamily="34" charset="0"/>
+            </a:endParaRPr>
+          </a:p>
+        </p:txBody>
+      </p:sp>
+    </p:spTree>
+    <p:extLst>
+      <p:ext uri="{BB962C8B-B14F-4D97-AF65-F5344CB8AC3E}">
+        <p14:creationId xmlns:p14="http://schemas.microsoft.com/office/powerpoint/2010/main" val="3299067616"/>
+      </p:ext>
+    </p:extLst>
+  </p:cSld>
+  <p:clrMapOvr>
+    <a:masterClrMapping/>
+  </p:clrMapOvr>
+</p:sld>
+</file>
+
 <file path=ppt/theme/theme1.xml><?xml version="1.0" encoding="utf-8"?>
 <a:theme xmlns:a="http://schemas.openxmlformats.org/drawingml/2006/main" name="Office Theme">
   <a:themeElements>
